--- a/doc/uxcrawler-architecture.pptx
+++ b/doc/uxcrawler-architecture.pptx
@@ -7114,7 +7114,7 @@
           <a:p>
             <a:r>
               <a:rPr lang="en-US" altLang="zh-CN" dirty="0" smtClean="0"/>
-              <a:t>Scheduled following: for common page</a:t>
+              <a:t>Scheduled drilling: for common page</a:t>
             </a:r>
             <a:endParaRPr lang="zh-CN" altLang="en-US" dirty="0"/>
           </a:p>
@@ -7144,11 +7144,11 @@
           <a:p>
             <a:r>
               <a:rPr lang="en-US" altLang="zh-CN" dirty="0" smtClean="0"/>
-              <a:t>Automatic following,</a:t>
+              <a:t>Automatic drilling, </a:t>
             </a:r>
             <a:r>
               <a:rPr lang="en-US" altLang="zh-CN" dirty="0"/>
-              <a:t> for </a:t>
+              <a:t>for </a:t>
             </a:r>
             <a:r>
               <a:rPr lang="en-US" altLang="zh-CN" dirty="0" smtClean="0"/>
@@ -7182,7 +7182,7 @@
           <a:p>
             <a:r>
               <a:rPr lang="en-US" altLang="zh-CN" dirty="0" smtClean="0"/>
-              <a:t>Following type</a:t>
+              <a:t>Drilling type</a:t>
             </a:r>
             <a:endParaRPr lang="zh-CN" altLang="en-US" dirty="0"/>
           </a:p>
@@ -8288,16 +8288,12 @@
               <a:t>url</a:t>
             </a:r>
             <a:r>
+              <a:rPr lang="en-US" altLang="zh-CN" sz="1200" smtClean="0"/>
+              <a:t> pattern </a:t>
+            </a:r>
+            <a:r>
               <a:rPr lang="en-US" altLang="zh-CN" sz="1200" dirty="0" smtClean="0"/>
-              <a:t> </a:t>
-            </a:r>
-            <a:r>
-              <a:rPr lang="en-US" altLang="zh-CN" sz="1200" dirty="0" err="1" smtClean="0"/>
-              <a:t>patern</a:t>
-            </a:r>
-            <a:r>
-              <a:rPr lang="en-US" altLang="zh-CN" sz="1200" dirty="0" smtClean="0"/>
-              <a:t> priority, weight</a:t>
+              <a:t>priority, weight</a:t>
             </a:r>
           </a:p>
           <a:p>

--- a/doc/uxcrawler-architecture.pptx
+++ b/doc/uxcrawler-architecture.pptx
@@ -293,7 +293,7 @@
           <a:p>
             <a:fld id="{530820CF-B880-4189-942D-D702A7CBA730}" type="datetimeFigureOut">
               <a:rPr lang="zh-CN" altLang="en-US" smtClean="0"/>
-              <a:t>2013/11/18</a:t>
+              <a:t>2014/3/4</a:t>
             </a:fld>
             <a:endParaRPr lang="zh-CN" altLang="en-US"/>
           </a:p>
@@ -458,7 +458,7 @@
           <a:p>
             <a:fld id="{530820CF-B880-4189-942D-D702A7CBA730}" type="datetimeFigureOut">
               <a:rPr lang="zh-CN" altLang="en-US" smtClean="0"/>
-              <a:t>2013/11/18</a:t>
+              <a:t>2014/3/4</a:t>
             </a:fld>
             <a:endParaRPr lang="zh-CN" altLang="en-US"/>
           </a:p>
@@ -633,7 +633,7 @@
           <a:p>
             <a:fld id="{530820CF-B880-4189-942D-D702A7CBA730}" type="datetimeFigureOut">
               <a:rPr lang="zh-CN" altLang="en-US" smtClean="0"/>
-              <a:t>2013/11/18</a:t>
+              <a:t>2014/3/4</a:t>
             </a:fld>
             <a:endParaRPr lang="zh-CN" altLang="en-US"/>
           </a:p>
@@ -798,7 +798,7 @@
           <a:p>
             <a:fld id="{530820CF-B880-4189-942D-D702A7CBA730}" type="datetimeFigureOut">
               <a:rPr lang="zh-CN" altLang="en-US" smtClean="0"/>
-              <a:t>2013/11/18</a:t>
+              <a:t>2014/3/4</a:t>
             </a:fld>
             <a:endParaRPr lang="zh-CN" altLang="en-US"/>
           </a:p>
@@ -1039,7 +1039,7 @@
           <a:p>
             <a:fld id="{530820CF-B880-4189-942D-D702A7CBA730}" type="datetimeFigureOut">
               <a:rPr lang="zh-CN" altLang="en-US" smtClean="0"/>
-              <a:t>2013/11/18</a:t>
+              <a:t>2014/3/4</a:t>
             </a:fld>
             <a:endParaRPr lang="zh-CN" altLang="en-US"/>
           </a:p>
@@ -1322,7 +1322,7 @@
           <a:p>
             <a:fld id="{530820CF-B880-4189-942D-D702A7CBA730}" type="datetimeFigureOut">
               <a:rPr lang="zh-CN" altLang="en-US" smtClean="0"/>
-              <a:t>2013/11/18</a:t>
+              <a:t>2014/3/4</a:t>
             </a:fld>
             <a:endParaRPr lang="zh-CN" altLang="en-US"/>
           </a:p>
@@ -1739,7 +1739,7 @@
           <a:p>
             <a:fld id="{530820CF-B880-4189-942D-D702A7CBA730}" type="datetimeFigureOut">
               <a:rPr lang="zh-CN" altLang="en-US" smtClean="0"/>
-              <a:t>2013/11/18</a:t>
+              <a:t>2014/3/4</a:t>
             </a:fld>
             <a:endParaRPr lang="zh-CN" altLang="en-US"/>
           </a:p>
@@ -1852,7 +1852,7 @@
           <a:p>
             <a:fld id="{530820CF-B880-4189-942D-D702A7CBA730}" type="datetimeFigureOut">
               <a:rPr lang="zh-CN" altLang="en-US" smtClean="0"/>
-              <a:t>2013/11/18</a:t>
+              <a:t>2014/3/4</a:t>
             </a:fld>
             <a:endParaRPr lang="zh-CN" altLang="en-US"/>
           </a:p>
@@ -1942,7 +1942,7 @@
           <a:p>
             <a:fld id="{530820CF-B880-4189-942D-D702A7CBA730}" type="datetimeFigureOut">
               <a:rPr lang="zh-CN" altLang="en-US" smtClean="0"/>
-              <a:t>2013/11/18</a:t>
+              <a:t>2014/3/4</a:t>
             </a:fld>
             <a:endParaRPr lang="zh-CN" altLang="en-US"/>
           </a:p>
@@ -2214,7 +2214,7 @@
           <a:p>
             <a:fld id="{530820CF-B880-4189-942D-D702A7CBA730}" type="datetimeFigureOut">
               <a:rPr lang="zh-CN" altLang="en-US" smtClean="0"/>
-              <a:t>2013/11/18</a:t>
+              <a:t>2014/3/4</a:t>
             </a:fld>
             <a:endParaRPr lang="zh-CN" altLang="en-US"/>
           </a:p>
@@ -2462,7 +2462,7 @@
           <a:p>
             <a:fld id="{530820CF-B880-4189-942D-D702A7CBA730}" type="datetimeFigureOut">
               <a:rPr lang="zh-CN" altLang="en-US" smtClean="0"/>
-              <a:t>2013/11/18</a:t>
+              <a:t>2014/3/4</a:t>
             </a:fld>
             <a:endParaRPr lang="zh-CN" altLang="en-US"/>
           </a:p>
@@ -2670,7 +2670,7 @@
           <a:p>
             <a:fld id="{530820CF-B880-4189-942D-D702A7CBA730}" type="datetimeFigureOut">
               <a:rPr lang="zh-CN" altLang="en-US" smtClean="0"/>
-              <a:t>2013/11/18</a:t>
+              <a:t>2014/3/4</a:t>
             </a:fld>
             <a:endParaRPr lang="zh-CN" altLang="en-US"/>
           </a:p>
@@ -3064,11 +3064,15 @@
           <a:p>
             <a:r>
               <a:rPr lang="en-US" altLang="zh-CN" dirty="0" err="1" smtClean="0"/>
-              <a:t>UXCrawler</a:t>
+              <a:t>NEOCrawler</a:t>
             </a:r>
             <a:r>
               <a:rPr lang="en-US" altLang="zh-CN" dirty="0" smtClean="0"/>
-              <a:t> Architecture </a:t>
+              <a:t> </a:t>
+            </a:r>
+            <a:r>
+              <a:rPr lang="en-US" altLang="zh-CN" dirty="0" smtClean="0"/>
+              <a:t>Architecture </a:t>
             </a:r>
             <a:endParaRPr lang="zh-CN" altLang="en-US" dirty="0"/>
           </a:p>
